--- a/learning by project/Presentazione standard1.pptx
+++ b/learning by project/Presentazione standard1.pptx
@@ -107,6 +107,11 @@
       </a:defRPr>
     </a:lvl9pPr>
   </p:defaultTextStyle>
+  <p:extLst>
+    <p:ext uri="{EFAFB233-063F-42B5-8137-9DF3F51BA10A}">
+      <p15:sldGuideLst xmlns:p15="http://schemas.microsoft.com/office/powerpoint/2012/main"/>
+    </p:ext>
+  </p:extLst>
 </p:presentation>
 </file>
 
@@ -257,7 +262,7 @@
           <a:p>
             <a:fld id="{694F1BE6-0136-43C5-AC97-6ADB539F694A}" type="datetimeFigureOut">
               <a:rPr lang="it-IT" smtClean="0"/>
-              <a:t>11/09/2024</a:t>
+              <a:t>15/09/2024</a:t>
             </a:fld>
             <a:endParaRPr lang="it-IT"/>
           </a:p>
@@ -455,7 +460,7 @@
           <a:p>
             <a:fld id="{694F1BE6-0136-43C5-AC97-6ADB539F694A}" type="datetimeFigureOut">
               <a:rPr lang="it-IT" smtClean="0"/>
-              <a:t>11/09/2024</a:t>
+              <a:t>15/09/2024</a:t>
             </a:fld>
             <a:endParaRPr lang="it-IT"/>
           </a:p>
@@ -663,7 +668,7 @@
           <a:p>
             <a:fld id="{694F1BE6-0136-43C5-AC97-6ADB539F694A}" type="datetimeFigureOut">
               <a:rPr lang="it-IT" smtClean="0"/>
-              <a:t>11/09/2024</a:t>
+              <a:t>15/09/2024</a:t>
             </a:fld>
             <a:endParaRPr lang="it-IT"/>
           </a:p>
@@ -861,7 +866,7 @@
           <a:p>
             <a:fld id="{694F1BE6-0136-43C5-AC97-6ADB539F694A}" type="datetimeFigureOut">
               <a:rPr lang="it-IT" smtClean="0"/>
-              <a:t>11/09/2024</a:t>
+              <a:t>15/09/2024</a:t>
             </a:fld>
             <a:endParaRPr lang="it-IT"/>
           </a:p>
@@ -1136,7 +1141,7 @@
           <a:p>
             <a:fld id="{694F1BE6-0136-43C5-AC97-6ADB539F694A}" type="datetimeFigureOut">
               <a:rPr lang="it-IT" smtClean="0"/>
-              <a:t>11/09/2024</a:t>
+              <a:t>15/09/2024</a:t>
             </a:fld>
             <a:endParaRPr lang="it-IT"/>
           </a:p>
@@ -1401,7 +1406,7 @@
           <a:p>
             <a:fld id="{694F1BE6-0136-43C5-AC97-6ADB539F694A}" type="datetimeFigureOut">
               <a:rPr lang="it-IT" smtClean="0"/>
-              <a:t>11/09/2024</a:t>
+              <a:t>15/09/2024</a:t>
             </a:fld>
             <a:endParaRPr lang="it-IT"/>
           </a:p>
@@ -1813,7 +1818,7 @@
           <a:p>
             <a:fld id="{694F1BE6-0136-43C5-AC97-6ADB539F694A}" type="datetimeFigureOut">
               <a:rPr lang="it-IT" smtClean="0"/>
-              <a:t>11/09/2024</a:t>
+              <a:t>15/09/2024</a:t>
             </a:fld>
             <a:endParaRPr lang="it-IT"/>
           </a:p>
@@ -1954,7 +1959,7 @@
           <a:p>
             <a:fld id="{694F1BE6-0136-43C5-AC97-6ADB539F694A}" type="datetimeFigureOut">
               <a:rPr lang="it-IT" smtClean="0"/>
-              <a:t>11/09/2024</a:t>
+              <a:t>15/09/2024</a:t>
             </a:fld>
             <a:endParaRPr lang="it-IT"/>
           </a:p>
@@ -2067,7 +2072,7 @@
           <a:p>
             <a:fld id="{694F1BE6-0136-43C5-AC97-6ADB539F694A}" type="datetimeFigureOut">
               <a:rPr lang="it-IT" smtClean="0"/>
-              <a:t>11/09/2024</a:t>
+              <a:t>15/09/2024</a:t>
             </a:fld>
             <a:endParaRPr lang="it-IT"/>
           </a:p>
@@ -2378,7 +2383,7 @@
           <a:p>
             <a:fld id="{694F1BE6-0136-43C5-AC97-6ADB539F694A}" type="datetimeFigureOut">
               <a:rPr lang="it-IT" smtClean="0"/>
-              <a:t>11/09/2024</a:t>
+              <a:t>15/09/2024</a:t>
             </a:fld>
             <a:endParaRPr lang="it-IT"/>
           </a:p>
@@ -2666,7 +2671,7 @@
           <a:p>
             <a:fld id="{694F1BE6-0136-43C5-AC97-6ADB539F694A}" type="datetimeFigureOut">
               <a:rPr lang="it-IT" smtClean="0"/>
-              <a:t>11/09/2024</a:t>
+              <a:t>15/09/2024</a:t>
             </a:fld>
             <a:endParaRPr lang="it-IT"/>
           </a:p>
@@ -2907,7 +2912,7 @@
           <a:p>
             <a:fld id="{694F1BE6-0136-43C5-AC97-6ADB539F694A}" type="datetimeFigureOut">
               <a:rPr lang="it-IT" smtClean="0"/>
-              <a:t>11/09/2024</a:t>
+              <a:t>15/09/2024</a:t>
             </a:fld>
             <a:endParaRPr lang="it-IT"/>
           </a:p>
@@ -3654,6 +3659,2006 @@
           </a:prstGeom>
         </p:spPr>
       </p:pic>
+      <p:sp>
+        <p:nvSpPr>
+          <p:cNvPr id="2" name="Shape">
+            <a:extLst>
+              <a:ext uri="{FF2B5EF4-FFF2-40B4-BE49-F238E27FC236}">
+                <a16:creationId xmlns:a16="http://schemas.microsoft.com/office/drawing/2014/main" id="{91FB31F0-734B-3F0F-CBA5-CBEA24686E78}"/>
+              </a:ext>
+            </a:extLst>
+          </p:cNvPr>
+          <p:cNvSpPr/>
+          <p:nvPr/>
+        </p:nvSpPr>
+        <p:spPr>
+          <a:xfrm>
+            <a:off x="309569" y="3076797"/>
+            <a:ext cx="1558935" cy="1558935"/>
+          </a:xfrm>
+          <a:custGeom>
+            <a:avLst/>
+            <a:gdLst/>
+            <a:ahLst/>
+            <a:cxnLst>
+              <a:cxn ang="0">
+                <a:pos x="wd2" y="hd2"/>
+              </a:cxn>
+              <a:cxn ang="5400000">
+                <a:pos x="wd2" y="hd2"/>
+              </a:cxn>
+              <a:cxn ang="10800000">
+                <a:pos x="wd2" y="hd2"/>
+              </a:cxn>
+              <a:cxn ang="16200000">
+                <a:pos x="wd2" y="hd2"/>
+              </a:cxn>
+            </a:cxnLst>
+            <a:rect l="0" t="0" r="r" b="b"/>
+            <a:pathLst>
+              <a:path w="21600" h="21600" extrusionOk="0">
+                <a:moveTo>
+                  <a:pt x="2880" y="0"/>
+                </a:moveTo>
+                <a:cubicBezTo>
+                  <a:pt x="1293" y="0"/>
+                  <a:pt x="0" y="1288"/>
+                  <a:pt x="0" y="2880"/>
+                </a:cubicBezTo>
+                <a:lnTo>
+                  <a:pt x="0" y="21600"/>
+                </a:lnTo>
+                <a:lnTo>
+                  <a:pt x="21600" y="21600"/>
+                </a:lnTo>
+                <a:lnTo>
+                  <a:pt x="21600" y="0"/>
+                </a:lnTo>
+                <a:lnTo>
+                  <a:pt x="2880" y="0"/>
+                </a:lnTo>
+                <a:close/>
+              </a:path>
+            </a:pathLst>
+          </a:custGeom>
+          <a:solidFill>
+            <a:srgbClr val="002060"/>
+          </a:solidFill>
+          <a:ln w="12700">
+            <a:miter lim="400000"/>
+          </a:ln>
+        </p:spPr>
+        <p:txBody>
+          <a:bodyPr lIns="38100" tIns="38100" rIns="38100" bIns="38100" anchor="ctr"/>
+          <a:lstStyle/>
+          <a:p>
+            <a:pPr>
+              <a:defRPr sz="3000">
+                <a:solidFill>
+                  <a:srgbClr val="FFFFFF"/>
+                </a:solidFill>
+              </a:defRPr>
+            </a:pPr>
+            <a:endParaRPr/>
+          </a:p>
+        </p:txBody>
+      </p:sp>
+      <p:sp>
+        <p:nvSpPr>
+          <p:cNvPr id="3" name="Shape">
+            <a:extLst>
+              <a:ext uri="{FF2B5EF4-FFF2-40B4-BE49-F238E27FC236}">
+                <a16:creationId xmlns:a16="http://schemas.microsoft.com/office/drawing/2014/main" id="{2AAB2C4E-C4C7-533C-A7BC-CA08F018E042}"/>
+              </a:ext>
+            </a:extLst>
+          </p:cNvPr>
+          <p:cNvSpPr/>
+          <p:nvPr/>
+        </p:nvSpPr>
+        <p:spPr>
+          <a:xfrm>
+            <a:off x="466443" y="3233671"/>
+            <a:ext cx="2207610" cy="3355928"/>
+          </a:xfrm>
+          <a:custGeom>
+            <a:avLst/>
+            <a:gdLst/>
+            <a:ahLst/>
+            <a:cxnLst>
+              <a:cxn ang="0">
+                <a:pos x="wd2" y="hd2"/>
+              </a:cxn>
+              <a:cxn ang="5400000">
+                <a:pos x="wd2" y="hd2"/>
+              </a:cxn>
+              <a:cxn ang="10800000">
+                <a:pos x="wd2" y="hd2"/>
+              </a:cxn>
+              <a:cxn ang="16200000">
+                <a:pos x="wd2" y="hd2"/>
+              </a:cxn>
+            </a:cxnLst>
+            <a:rect l="0" t="0" r="r" b="b"/>
+            <a:pathLst>
+              <a:path w="21600" h="21600" extrusionOk="0">
+                <a:moveTo>
+                  <a:pt x="19570" y="0"/>
+                </a:moveTo>
+                <a:lnTo>
+                  <a:pt x="2034" y="0"/>
+                </a:lnTo>
+                <a:cubicBezTo>
+                  <a:pt x="913" y="0"/>
+                  <a:pt x="0" y="598"/>
+                  <a:pt x="0" y="1338"/>
+                </a:cubicBezTo>
+                <a:lnTo>
+                  <a:pt x="0" y="20262"/>
+                </a:lnTo>
+                <a:cubicBezTo>
+                  <a:pt x="0" y="20999"/>
+                  <a:pt x="909" y="21600"/>
+                  <a:pt x="2034" y="21600"/>
+                </a:cubicBezTo>
+                <a:lnTo>
+                  <a:pt x="19566" y="21600"/>
+                </a:lnTo>
+                <a:cubicBezTo>
+                  <a:pt x="20687" y="21600"/>
+                  <a:pt x="21600" y="21002"/>
+                  <a:pt x="21600" y="20262"/>
+                </a:cubicBezTo>
+                <a:lnTo>
+                  <a:pt x="21600" y="1335"/>
+                </a:lnTo>
+                <a:cubicBezTo>
+                  <a:pt x="21600" y="598"/>
+                  <a:pt x="20691" y="0"/>
+                  <a:pt x="19570" y="0"/>
+                </a:cubicBezTo>
+                <a:close/>
+              </a:path>
+            </a:pathLst>
+          </a:custGeom>
+          <a:solidFill>
+            <a:schemeClr val="bg1">
+              <a:lumMod val="95000"/>
+            </a:schemeClr>
+          </a:solidFill>
+          <a:ln w="12700">
+            <a:miter lim="400000"/>
+          </a:ln>
+        </p:spPr>
+        <p:txBody>
+          <a:bodyPr lIns="38100" tIns="38100" rIns="38100" bIns="38100" anchor="ctr"/>
+          <a:lstStyle/>
+          <a:p>
+            <a:pPr>
+              <a:defRPr sz="3000">
+                <a:solidFill>
+                  <a:srgbClr val="FFFFFF"/>
+                </a:solidFill>
+              </a:defRPr>
+            </a:pPr>
+            <a:endParaRPr/>
+          </a:p>
+        </p:txBody>
+      </p:sp>
+      <p:grpSp>
+        <p:nvGrpSpPr>
+          <p:cNvPr id="4" name="Group 21">
+            <a:extLst>
+              <a:ext uri="{FF2B5EF4-FFF2-40B4-BE49-F238E27FC236}">
+                <a16:creationId xmlns:a16="http://schemas.microsoft.com/office/drawing/2014/main" id="{AEC32254-4870-C466-DD6C-BF378C196C08}"/>
+              </a:ext>
+            </a:extLst>
+          </p:cNvPr>
+          <p:cNvGrpSpPr/>
+          <p:nvPr/>
+        </p:nvGrpSpPr>
+        <p:grpSpPr>
+          <a:xfrm>
+            <a:off x="659443" y="4125587"/>
+            <a:ext cx="1861657" cy="2292898"/>
+            <a:chOff x="1322173" y="2721389"/>
+            <a:chExt cx="1861657" cy="2292898"/>
+          </a:xfrm>
+        </p:grpSpPr>
+        <p:sp>
+          <p:nvSpPr>
+            <p:cNvPr id="5" name="TextBox 19">
+              <a:extLst>
+                <a:ext uri="{FF2B5EF4-FFF2-40B4-BE49-F238E27FC236}">
+                  <a16:creationId xmlns:a16="http://schemas.microsoft.com/office/drawing/2014/main" id="{44F25412-8024-CAFA-9A19-986512560D23}"/>
+                </a:ext>
+              </a:extLst>
+            </p:cNvPr>
+            <p:cNvSpPr txBox="1"/>
+            <p:nvPr/>
+          </p:nvSpPr>
+          <p:spPr>
+            <a:xfrm>
+              <a:off x="1322173" y="2721389"/>
+              <a:ext cx="1861657" cy="461665"/>
+            </a:xfrm>
+            <a:prstGeom prst="rect">
+              <a:avLst/>
+            </a:prstGeom>
+            <a:noFill/>
+          </p:spPr>
+          <p:txBody>
+            <a:bodyPr wrap="square" lIns="0" rIns="0" rtlCol="0" anchor="b">
+              <a:spAutoFit/>
+            </a:bodyPr>
+            <a:lstStyle/>
+            <a:p>
+              <a:pPr algn="r"/>
+              <a:r>
+                <a:rPr lang="en-US" sz="2400" b="1" noProof="1"/>
+                <a:t>Lorem Ipsum</a:t>
+              </a:r>
+            </a:p>
+          </p:txBody>
+        </p:sp>
+        <p:sp>
+          <p:nvSpPr>
+            <p:cNvPr id="6" name="TextBox 20">
+              <a:extLst>
+                <a:ext uri="{FF2B5EF4-FFF2-40B4-BE49-F238E27FC236}">
+                  <a16:creationId xmlns:a16="http://schemas.microsoft.com/office/drawing/2014/main" id="{3346C55B-584B-C9E3-B513-ED81D0B05C8E}"/>
+                </a:ext>
+              </a:extLst>
+            </p:cNvPr>
+            <p:cNvSpPr txBox="1"/>
+            <p:nvPr/>
+          </p:nvSpPr>
+          <p:spPr>
+            <a:xfrm>
+              <a:off x="1322173" y="3321516"/>
+              <a:ext cx="1861657" cy="1692771"/>
+            </a:xfrm>
+            <a:prstGeom prst="rect">
+              <a:avLst/>
+            </a:prstGeom>
+            <a:noFill/>
+          </p:spPr>
+          <p:txBody>
+            <a:bodyPr wrap="square" lIns="0" rIns="0" rtlCol="0" anchor="t">
+              <a:spAutoFit/>
+            </a:bodyPr>
+            <a:lstStyle/>
+            <a:p>
+              <a:r>
+                <a:rPr lang="en-US" sz="1300" noProof="1">
+                  <a:solidFill>
+                    <a:schemeClr val="tx1">
+                      <a:lumMod val="65000"/>
+                      <a:lumOff val="35000"/>
+                    </a:schemeClr>
+                  </a:solidFill>
+                </a:rPr>
+                <a:t>Lorem ipsum dolor sit amet, nibh est. A magna maecenas, quam magna nec quis, lorem nunc. Suspendisse viverra sodales mauris, cras pharetra proin egestas arcu erat dolor, at amet. </a:t>
+              </a:r>
+            </a:p>
+          </p:txBody>
+        </p:sp>
+      </p:grpSp>
+      <p:sp>
+        <p:nvSpPr>
+          <p:cNvPr id="7" name="Freeform: Shape 32">
+            <a:extLst>
+              <a:ext uri="{FF2B5EF4-FFF2-40B4-BE49-F238E27FC236}">
+                <a16:creationId xmlns:a16="http://schemas.microsoft.com/office/drawing/2014/main" id="{D8E08F7C-7B9A-A8CD-EE0A-5900FE45C329}"/>
+              </a:ext>
+            </a:extLst>
+          </p:cNvPr>
+          <p:cNvSpPr/>
+          <p:nvPr/>
+        </p:nvSpPr>
+        <p:spPr>
+          <a:xfrm>
+            <a:off x="466443" y="3233671"/>
+            <a:ext cx="1308687" cy="1308687"/>
+          </a:xfrm>
+          <a:custGeom>
+            <a:avLst/>
+            <a:gdLst>
+              <a:gd name="connsiteX0" fmla="*/ 207883 w 1308687"/>
+              <a:gd name="connsiteY0" fmla="*/ 0 h 1308687"/>
+              <a:gd name="connsiteX1" fmla="*/ 1308687 w 1308687"/>
+              <a:gd name="connsiteY1" fmla="*/ 0 h 1308687"/>
+              <a:gd name="connsiteX2" fmla="*/ 0 w 1308687"/>
+              <a:gd name="connsiteY2" fmla="*/ 1308687 h 1308687"/>
+              <a:gd name="connsiteX3" fmla="*/ 0 w 1308687"/>
+              <a:gd name="connsiteY3" fmla="*/ 207881 h 1308687"/>
+              <a:gd name="connsiteX4" fmla="*/ 207883 w 1308687"/>
+              <a:gd name="connsiteY4" fmla="*/ 0 h 1308687"/>
+            </a:gdLst>
+            <a:ahLst/>
+            <a:cxnLst>
+              <a:cxn ang="0">
+                <a:pos x="connsiteX0" y="connsiteY0"/>
+              </a:cxn>
+              <a:cxn ang="0">
+                <a:pos x="connsiteX1" y="connsiteY1"/>
+              </a:cxn>
+              <a:cxn ang="0">
+                <a:pos x="connsiteX2" y="connsiteY2"/>
+              </a:cxn>
+              <a:cxn ang="0">
+                <a:pos x="connsiteX3" y="connsiteY3"/>
+              </a:cxn>
+              <a:cxn ang="0">
+                <a:pos x="connsiteX4" y="connsiteY4"/>
+              </a:cxn>
+            </a:cxnLst>
+            <a:rect l="l" t="t" r="r" b="b"/>
+            <a:pathLst>
+              <a:path w="1308687" h="1308687">
+                <a:moveTo>
+                  <a:pt x="207883" y="0"/>
+                </a:moveTo>
+                <a:lnTo>
+                  <a:pt x="1308687" y="0"/>
+                </a:lnTo>
+                <a:lnTo>
+                  <a:pt x="0" y="1308687"/>
+                </a:lnTo>
+                <a:lnTo>
+                  <a:pt x="0" y="207881"/>
+                </a:lnTo>
+                <a:cubicBezTo>
+                  <a:pt x="0" y="92910"/>
+                  <a:pt x="93312" y="0"/>
+                  <a:pt x="207883" y="0"/>
+                </a:cubicBezTo>
+                <a:close/>
+              </a:path>
+            </a:pathLst>
+          </a:custGeom>
+          <a:solidFill>
+            <a:schemeClr val="tx1">
+              <a:alpha val="24000"/>
+            </a:schemeClr>
+          </a:solidFill>
+          <a:ln w="12700">
+            <a:miter lim="400000"/>
+          </a:ln>
+        </p:spPr>
+        <p:txBody>
+          <a:bodyPr wrap="square" lIns="38100" tIns="38100" rIns="38100" bIns="38100" anchor="ctr">
+            <a:noAutofit/>
+          </a:bodyPr>
+          <a:lstStyle/>
+          <a:p>
+            <a:pPr>
+              <a:defRPr sz="3000">
+                <a:solidFill>
+                  <a:srgbClr val="FFFFFF"/>
+                </a:solidFill>
+              </a:defRPr>
+            </a:pPr>
+            <a:endParaRPr/>
+          </a:p>
+        </p:txBody>
+      </p:sp>
+      <p:sp>
+        <p:nvSpPr>
+          <p:cNvPr id="8" name="Shape">
+            <a:extLst>
+              <a:ext uri="{FF2B5EF4-FFF2-40B4-BE49-F238E27FC236}">
+                <a16:creationId xmlns:a16="http://schemas.microsoft.com/office/drawing/2014/main" id="{FD134FD0-738C-CA9F-91F8-E27340EDA5B0}"/>
+              </a:ext>
+            </a:extLst>
+          </p:cNvPr>
+          <p:cNvSpPr/>
+          <p:nvPr/>
+        </p:nvSpPr>
+        <p:spPr>
+          <a:xfrm>
+            <a:off x="309569" y="3076797"/>
+            <a:ext cx="1558935" cy="1558935"/>
+          </a:xfrm>
+          <a:custGeom>
+            <a:avLst/>
+            <a:gdLst/>
+            <a:ahLst/>
+            <a:cxnLst>
+              <a:cxn ang="0">
+                <a:pos x="wd2" y="hd2"/>
+              </a:cxn>
+              <a:cxn ang="5400000">
+                <a:pos x="wd2" y="hd2"/>
+              </a:cxn>
+              <a:cxn ang="10800000">
+                <a:pos x="wd2" y="hd2"/>
+              </a:cxn>
+              <a:cxn ang="16200000">
+                <a:pos x="wd2" y="hd2"/>
+              </a:cxn>
+            </a:cxnLst>
+            <a:rect l="0" t="0" r="r" b="b"/>
+            <a:pathLst>
+              <a:path w="21600" h="21600" extrusionOk="0">
+                <a:moveTo>
+                  <a:pt x="2880" y="0"/>
+                </a:moveTo>
+                <a:cubicBezTo>
+                  <a:pt x="1293" y="0"/>
+                  <a:pt x="0" y="1288"/>
+                  <a:pt x="0" y="2880"/>
+                </a:cubicBezTo>
+                <a:lnTo>
+                  <a:pt x="0" y="21600"/>
+                </a:lnTo>
+                <a:lnTo>
+                  <a:pt x="21600" y="0"/>
+                </a:lnTo>
+                <a:lnTo>
+                  <a:pt x="2880" y="0"/>
+                </a:lnTo>
+                <a:close/>
+              </a:path>
+            </a:pathLst>
+          </a:custGeom>
+          <a:solidFill>
+            <a:srgbClr val="1F4C8F"/>
+          </a:solidFill>
+          <a:ln w="12700">
+            <a:miter lim="400000"/>
+          </a:ln>
+        </p:spPr>
+        <p:txBody>
+          <a:bodyPr lIns="38100" tIns="38100" rIns="38100" bIns="38100" anchor="ctr"/>
+          <a:lstStyle/>
+          <a:p>
+            <a:pPr>
+              <a:defRPr sz="3000">
+                <a:solidFill>
+                  <a:srgbClr val="FFFFFF"/>
+                </a:solidFill>
+              </a:defRPr>
+            </a:pPr>
+            <a:endParaRPr/>
+          </a:p>
+        </p:txBody>
+      </p:sp>
+      <p:pic>
+        <p:nvPicPr>
+          <p:cNvPr id="12" name="Immagine 11" descr="Immagine che contiene cerchio, Elementi grafici, clipart&#10;&#10;Descrizione generata automaticamente">
+            <a:extLst>
+              <a:ext uri="{FF2B5EF4-FFF2-40B4-BE49-F238E27FC236}">
+                <a16:creationId xmlns:a16="http://schemas.microsoft.com/office/drawing/2014/main" id="{9B8E14E0-A98A-9212-46B1-50A3F7A187CE}"/>
+              </a:ext>
+            </a:extLst>
+          </p:cNvPr>
+          <p:cNvPicPr>
+            <a:picLocks noChangeAspect="1"/>
+          </p:cNvPicPr>
+          <p:nvPr/>
+        </p:nvPicPr>
+        <p:blipFill>
+          <a:blip r:embed="rId3">
+            <a:extLst>
+              <a:ext uri="{28A0092B-C50C-407E-A947-70E740481C1C}">
+                <a14:useLocalDpi xmlns:a14="http://schemas.microsoft.com/office/drawing/2010/main" val="0"/>
+              </a:ext>
+            </a:extLst>
+          </a:blip>
+          <a:stretch>
+            <a:fillRect/>
+          </a:stretch>
+        </p:blipFill>
+        <p:spPr>
+          <a:xfrm>
+            <a:off x="309569" y="3076797"/>
+            <a:ext cx="461666" cy="461666"/>
+          </a:xfrm>
+          <a:prstGeom prst="rect">
+            <a:avLst/>
+          </a:prstGeom>
+        </p:spPr>
+      </p:pic>
+      <p:sp>
+        <p:nvSpPr>
+          <p:cNvPr id="10" name="Shape">
+            <a:extLst>
+              <a:ext uri="{FF2B5EF4-FFF2-40B4-BE49-F238E27FC236}">
+                <a16:creationId xmlns:a16="http://schemas.microsoft.com/office/drawing/2014/main" id="{83714DA6-891B-6AD6-0117-D16163440C52}"/>
+              </a:ext>
+            </a:extLst>
+          </p:cNvPr>
+          <p:cNvSpPr/>
+          <p:nvPr/>
+        </p:nvSpPr>
+        <p:spPr>
+          <a:xfrm>
+            <a:off x="3314226" y="2054738"/>
+            <a:ext cx="1558935" cy="1558935"/>
+          </a:xfrm>
+          <a:custGeom>
+            <a:avLst/>
+            <a:gdLst/>
+            <a:ahLst/>
+            <a:cxnLst>
+              <a:cxn ang="0">
+                <a:pos x="wd2" y="hd2"/>
+              </a:cxn>
+              <a:cxn ang="5400000">
+                <a:pos x="wd2" y="hd2"/>
+              </a:cxn>
+              <a:cxn ang="10800000">
+                <a:pos x="wd2" y="hd2"/>
+              </a:cxn>
+              <a:cxn ang="16200000">
+                <a:pos x="wd2" y="hd2"/>
+              </a:cxn>
+            </a:cxnLst>
+            <a:rect l="0" t="0" r="r" b="b"/>
+            <a:pathLst>
+              <a:path w="21600" h="21600" extrusionOk="0">
+                <a:moveTo>
+                  <a:pt x="2880" y="0"/>
+                </a:moveTo>
+                <a:cubicBezTo>
+                  <a:pt x="1293" y="0"/>
+                  <a:pt x="0" y="1288"/>
+                  <a:pt x="0" y="2880"/>
+                </a:cubicBezTo>
+                <a:lnTo>
+                  <a:pt x="0" y="21600"/>
+                </a:lnTo>
+                <a:lnTo>
+                  <a:pt x="21600" y="21600"/>
+                </a:lnTo>
+                <a:lnTo>
+                  <a:pt x="21600" y="0"/>
+                </a:lnTo>
+                <a:lnTo>
+                  <a:pt x="2880" y="0"/>
+                </a:lnTo>
+                <a:close/>
+              </a:path>
+            </a:pathLst>
+          </a:custGeom>
+          <a:solidFill>
+            <a:srgbClr val="002060"/>
+          </a:solidFill>
+          <a:ln w="12700">
+            <a:miter lim="400000"/>
+          </a:ln>
+        </p:spPr>
+        <p:txBody>
+          <a:bodyPr lIns="38100" tIns="38100" rIns="38100" bIns="38100" anchor="ctr"/>
+          <a:lstStyle/>
+          <a:p>
+            <a:pPr>
+              <a:defRPr sz="3000">
+                <a:solidFill>
+                  <a:srgbClr val="FFFFFF"/>
+                </a:solidFill>
+              </a:defRPr>
+            </a:pPr>
+            <a:endParaRPr/>
+          </a:p>
+        </p:txBody>
+      </p:sp>
+      <p:sp>
+        <p:nvSpPr>
+          <p:cNvPr id="11" name="Shape">
+            <a:extLst>
+              <a:ext uri="{FF2B5EF4-FFF2-40B4-BE49-F238E27FC236}">
+                <a16:creationId xmlns:a16="http://schemas.microsoft.com/office/drawing/2014/main" id="{4E837021-A050-0D24-2F0A-88BB69624A68}"/>
+              </a:ext>
+            </a:extLst>
+          </p:cNvPr>
+          <p:cNvSpPr/>
+          <p:nvPr/>
+        </p:nvSpPr>
+        <p:spPr>
+          <a:xfrm>
+            <a:off x="3471100" y="2211612"/>
+            <a:ext cx="2207610" cy="3355928"/>
+          </a:xfrm>
+          <a:custGeom>
+            <a:avLst/>
+            <a:gdLst/>
+            <a:ahLst/>
+            <a:cxnLst>
+              <a:cxn ang="0">
+                <a:pos x="wd2" y="hd2"/>
+              </a:cxn>
+              <a:cxn ang="5400000">
+                <a:pos x="wd2" y="hd2"/>
+              </a:cxn>
+              <a:cxn ang="10800000">
+                <a:pos x="wd2" y="hd2"/>
+              </a:cxn>
+              <a:cxn ang="16200000">
+                <a:pos x="wd2" y="hd2"/>
+              </a:cxn>
+            </a:cxnLst>
+            <a:rect l="0" t="0" r="r" b="b"/>
+            <a:pathLst>
+              <a:path w="21600" h="21600" extrusionOk="0">
+                <a:moveTo>
+                  <a:pt x="19570" y="0"/>
+                </a:moveTo>
+                <a:lnTo>
+                  <a:pt x="2034" y="0"/>
+                </a:lnTo>
+                <a:cubicBezTo>
+                  <a:pt x="913" y="0"/>
+                  <a:pt x="0" y="598"/>
+                  <a:pt x="0" y="1338"/>
+                </a:cubicBezTo>
+                <a:lnTo>
+                  <a:pt x="0" y="20262"/>
+                </a:lnTo>
+                <a:cubicBezTo>
+                  <a:pt x="0" y="20999"/>
+                  <a:pt x="909" y="21600"/>
+                  <a:pt x="2034" y="21600"/>
+                </a:cubicBezTo>
+                <a:lnTo>
+                  <a:pt x="19566" y="21600"/>
+                </a:lnTo>
+                <a:cubicBezTo>
+                  <a:pt x="20687" y="21600"/>
+                  <a:pt x="21600" y="21002"/>
+                  <a:pt x="21600" y="20262"/>
+                </a:cubicBezTo>
+                <a:lnTo>
+                  <a:pt x="21600" y="1335"/>
+                </a:lnTo>
+                <a:cubicBezTo>
+                  <a:pt x="21600" y="598"/>
+                  <a:pt x="20691" y="0"/>
+                  <a:pt x="19570" y="0"/>
+                </a:cubicBezTo>
+                <a:close/>
+              </a:path>
+            </a:pathLst>
+          </a:custGeom>
+          <a:solidFill>
+            <a:schemeClr val="bg1">
+              <a:lumMod val="95000"/>
+            </a:schemeClr>
+          </a:solidFill>
+          <a:ln w="12700">
+            <a:miter lim="400000"/>
+          </a:ln>
+        </p:spPr>
+        <p:txBody>
+          <a:bodyPr lIns="38100" tIns="38100" rIns="38100" bIns="38100" anchor="ctr"/>
+          <a:lstStyle/>
+          <a:p>
+            <a:pPr>
+              <a:defRPr sz="3000">
+                <a:solidFill>
+                  <a:srgbClr val="FFFFFF"/>
+                </a:solidFill>
+              </a:defRPr>
+            </a:pPr>
+            <a:endParaRPr/>
+          </a:p>
+        </p:txBody>
+      </p:sp>
+      <p:grpSp>
+        <p:nvGrpSpPr>
+          <p:cNvPr id="13" name="Group 21">
+            <a:extLst>
+              <a:ext uri="{FF2B5EF4-FFF2-40B4-BE49-F238E27FC236}">
+                <a16:creationId xmlns:a16="http://schemas.microsoft.com/office/drawing/2014/main" id="{62FD99D9-C3BC-3C3A-31FF-CDFD2AFC710A}"/>
+              </a:ext>
+            </a:extLst>
+          </p:cNvPr>
+          <p:cNvGrpSpPr/>
+          <p:nvPr/>
+        </p:nvGrpSpPr>
+        <p:grpSpPr>
+          <a:xfrm>
+            <a:off x="3664100" y="3103528"/>
+            <a:ext cx="1861657" cy="2292898"/>
+            <a:chOff x="1322173" y="2721389"/>
+            <a:chExt cx="1861657" cy="2292898"/>
+          </a:xfrm>
+        </p:grpSpPr>
+        <p:sp>
+          <p:nvSpPr>
+            <p:cNvPr id="14" name="TextBox 19">
+              <a:extLst>
+                <a:ext uri="{FF2B5EF4-FFF2-40B4-BE49-F238E27FC236}">
+                  <a16:creationId xmlns:a16="http://schemas.microsoft.com/office/drawing/2014/main" id="{20552978-6378-120E-A35B-4AB1C7970BBB}"/>
+                </a:ext>
+              </a:extLst>
+            </p:cNvPr>
+            <p:cNvSpPr txBox="1"/>
+            <p:nvPr/>
+          </p:nvSpPr>
+          <p:spPr>
+            <a:xfrm>
+              <a:off x="1322173" y="2721389"/>
+              <a:ext cx="1861657" cy="461665"/>
+            </a:xfrm>
+            <a:prstGeom prst="rect">
+              <a:avLst/>
+            </a:prstGeom>
+            <a:noFill/>
+          </p:spPr>
+          <p:txBody>
+            <a:bodyPr wrap="square" lIns="0" rIns="0" rtlCol="0" anchor="b">
+              <a:spAutoFit/>
+            </a:bodyPr>
+            <a:lstStyle/>
+            <a:p>
+              <a:pPr algn="r"/>
+              <a:r>
+                <a:rPr lang="en-US" sz="2400" b="1" noProof="1"/>
+                <a:t>Lorem Ipsum</a:t>
+              </a:r>
+            </a:p>
+          </p:txBody>
+        </p:sp>
+        <p:sp>
+          <p:nvSpPr>
+            <p:cNvPr id="15" name="TextBox 20">
+              <a:extLst>
+                <a:ext uri="{FF2B5EF4-FFF2-40B4-BE49-F238E27FC236}">
+                  <a16:creationId xmlns:a16="http://schemas.microsoft.com/office/drawing/2014/main" id="{CEFB5426-F68D-2AD2-733B-A9F4B4CB609D}"/>
+                </a:ext>
+              </a:extLst>
+            </p:cNvPr>
+            <p:cNvSpPr txBox="1"/>
+            <p:nvPr/>
+          </p:nvSpPr>
+          <p:spPr>
+            <a:xfrm>
+              <a:off x="1322173" y="3321516"/>
+              <a:ext cx="1861657" cy="1692771"/>
+            </a:xfrm>
+            <a:prstGeom prst="rect">
+              <a:avLst/>
+            </a:prstGeom>
+            <a:noFill/>
+          </p:spPr>
+          <p:txBody>
+            <a:bodyPr wrap="square" lIns="0" rIns="0" rtlCol="0" anchor="t">
+              <a:spAutoFit/>
+            </a:bodyPr>
+            <a:lstStyle/>
+            <a:p>
+              <a:r>
+                <a:rPr lang="en-US" sz="1300" noProof="1">
+                  <a:solidFill>
+                    <a:schemeClr val="tx1">
+                      <a:lumMod val="65000"/>
+                      <a:lumOff val="35000"/>
+                    </a:schemeClr>
+                  </a:solidFill>
+                </a:rPr>
+                <a:t>Lorem ipsum dolor sit amet, nibh est. A magna maecenas, quam magna nec quis, lorem nunc. Suspendisse viverra sodales mauris, cras pharetra proin egestas arcu erat dolor, at amet. </a:t>
+              </a:r>
+            </a:p>
+          </p:txBody>
+        </p:sp>
+      </p:grpSp>
+      <p:sp>
+        <p:nvSpPr>
+          <p:cNvPr id="16" name="Freeform: Shape 32">
+            <a:extLst>
+              <a:ext uri="{FF2B5EF4-FFF2-40B4-BE49-F238E27FC236}">
+                <a16:creationId xmlns:a16="http://schemas.microsoft.com/office/drawing/2014/main" id="{41CE6B15-F673-1E39-A22E-BEDE9610A76C}"/>
+              </a:ext>
+            </a:extLst>
+          </p:cNvPr>
+          <p:cNvSpPr/>
+          <p:nvPr/>
+        </p:nvSpPr>
+        <p:spPr>
+          <a:xfrm>
+            <a:off x="3471100" y="2211612"/>
+            <a:ext cx="1308687" cy="1308687"/>
+          </a:xfrm>
+          <a:custGeom>
+            <a:avLst/>
+            <a:gdLst>
+              <a:gd name="connsiteX0" fmla="*/ 207883 w 1308687"/>
+              <a:gd name="connsiteY0" fmla="*/ 0 h 1308687"/>
+              <a:gd name="connsiteX1" fmla="*/ 1308687 w 1308687"/>
+              <a:gd name="connsiteY1" fmla="*/ 0 h 1308687"/>
+              <a:gd name="connsiteX2" fmla="*/ 0 w 1308687"/>
+              <a:gd name="connsiteY2" fmla="*/ 1308687 h 1308687"/>
+              <a:gd name="connsiteX3" fmla="*/ 0 w 1308687"/>
+              <a:gd name="connsiteY3" fmla="*/ 207881 h 1308687"/>
+              <a:gd name="connsiteX4" fmla="*/ 207883 w 1308687"/>
+              <a:gd name="connsiteY4" fmla="*/ 0 h 1308687"/>
+            </a:gdLst>
+            <a:ahLst/>
+            <a:cxnLst>
+              <a:cxn ang="0">
+                <a:pos x="connsiteX0" y="connsiteY0"/>
+              </a:cxn>
+              <a:cxn ang="0">
+                <a:pos x="connsiteX1" y="connsiteY1"/>
+              </a:cxn>
+              <a:cxn ang="0">
+                <a:pos x="connsiteX2" y="connsiteY2"/>
+              </a:cxn>
+              <a:cxn ang="0">
+                <a:pos x="connsiteX3" y="connsiteY3"/>
+              </a:cxn>
+              <a:cxn ang="0">
+                <a:pos x="connsiteX4" y="connsiteY4"/>
+              </a:cxn>
+            </a:cxnLst>
+            <a:rect l="l" t="t" r="r" b="b"/>
+            <a:pathLst>
+              <a:path w="1308687" h="1308687">
+                <a:moveTo>
+                  <a:pt x="207883" y="0"/>
+                </a:moveTo>
+                <a:lnTo>
+                  <a:pt x="1308687" y="0"/>
+                </a:lnTo>
+                <a:lnTo>
+                  <a:pt x="0" y="1308687"/>
+                </a:lnTo>
+                <a:lnTo>
+                  <a:pt x="0" y="207881"/>
+                </a:lnTo>
+                <a:cubicBezTo>
+                  <a:pt x="0" y="92910"/>
+                  <a:pt x="93312" y="0"/>
+                  <a:pt x="207883" y="0"/>
+                </a:cubicBezTo>
+                <a:close/>
+              </a:path>
+            </a:pathLst>
+          </a:custGeom>
+          <a:solidFill>
+            <a:schemeClr val="tx1">
+              <a:alpha val="24000"/>
+            </a:schemeClr>
+          </a:solidFill>
+          <a:ln w="12700">
+            <a:miter lim="400000"/>
+          </a:ln>
+        </p:spPr>
+        <p:txBody>
+          <a:bodyPr wrap="square" lIns="38100" tIns="38100" rIns="38100" bIns="38100" anchor="ctr">
+            <a:noAutofit/>
+          </a:bodyPr>
+          <a:lstStyle/>
+          <a:p>
+            <a:pPr>
+              <a:defRPr sz="3000">
+                <a:solidFill>
+                  <a:srgbClr val="FFFFFF"/>
+                </a:solidFill>
+              </a:defRPr>
+            </a:pPr>
+            <a:endParaRPr/>
+          </a:p>
+        </p:txBody>
+      </p:sp>
+      <p:sp>
+        <p:nvSpPr>
+          <p:cNvPr id="17" name="Shape">
+            <a:extLst>
+              <a:ext uri="{FF2B5EF4-FFF2-40B4-BE49-F238E27FC236}">
+                <a16:creationId xmlns:a16="http://schemas.microsoft.com/office/drawing/2014/main" id="{85179E6D-06F3-6DC3-2171-DD9DC357415A}"/>
+              </a:ext>
+            </a:extLst>
+          </p:cNvPr>
+          <p:cNvSpPr/>
+          <p:nvPr/>
+        </p:nvSpPr>
+        <p:spPr>
+          <a:xfrm>
+            <a:off x="3314226" y="2054738"/>
+            <a:ext cx="1558935" cy="1558935"/>
+          </a:xfrm>
+          <a:custGeom>
+            <a:avLst/>
+            <a:gdLst/>
+            <a:ahLst/>
+            <a:cxnLst>
+              <a:cxn ang="0">
+                <a:pos x="wd2" y="hd2"/>
+              </a:cxn>
+              <a:cxn ang="5400000">
+                <a:pos x="wd2" y="hd2"/>
+              </a:cxn>
+              <a:cxn ang="10800000">
+                <a:pos x="wd2" y="hd2"/>
+              </a:cxn>
+              <a:cxn ang="16200000">
+                <a:pos x="wd2" y="hd2"/>
+              </a:cxn>
+            </a:cxnLst>
+            <a:rect l="0" t="0" r="r" b="b"/>
+            <a:pathLst>
+              <a:path w="21600" h="21600" extrusionOk="0">
+                <a:moveTo>
+                  <a:pt x="2880" y="0"/>
+                </a:moveTo>
+                <a:cubicBezTo>
+                  <a:pt x="1293" y="0"/>
+                  <a:pt x="0" y="1288"/>
+                  <a:pt x="0" y="2880"/>
+                </a:cubicBezTo>
+                <a:lnTo>
+                  <a:pt x="0" y="21600"/>
+                </a:lnTo>
+                <a:lnTo>
+                  <a:pt x="21600" y="0"/>
+                </a:lnTo>
+                <a:lnTo>
+                  <a:pt x="2880" y="0"/>
+                </a:lnTo>
+                <a:close/>
+              </a:path>
+            </a:pathLst>
+          </a:custGeom>
+          <a:solidFill>
+            <a:srgbClr val="1F4C8F"/>
+          </a:solidFill>
+          <a:ln w="12700">
+            <a:miter lim="400000"/>
+          </a:ln>
+        </p:spPr>
+        <p:txBody>
+          <a:bodyPr lIns="38100" tIns="38100" rIns="38100" bIns="38100" anchor="ctr"/>
+          <a:lstStyle/>
+          <a:p>
+            <a:pPr>
+              <a:defRPr sz="3000">
+                <a:solidFill>
+                  <a:srgbClr val="FFFFFF"/>
+                </a:solidFill>
+              </a:defRPr>
+            </a:pPr>
+            <a:endParaRPr/>
+          </a:p>
+        </p:txBody>
+      </p:sp>
+      <p:pic>
+        <p:nvPicPr>
+          <p:cNvPr id="18" name="Immagine 17" descr="Immagine che contiene cerchio, Elementi grafici, clipart&#10;&#10;Descrizione generata automaticamente">
+            <a:extLst>
+              <a:ext uri="{FF2B5EF4-FFF2-40B4-BE49-F238E27FC236}">
+                <a16:creationId xmlns:a16="http://schemas.microsoft.com/office/drawing/2014/main" id="{C64A66CB-492F-10AE-345A-3B077C52B715}"/>
+              </a:ext>
+            </a:extLst>
+          </p:cNvPr>
+          <p:cNvPicPr>
+            <a:picLocks noChangeAspect="1"/>
+          </p:cNvPicPr>
+          <p:nvPr/>
+        </p:nvPicPr>
+        <p:blipFill>
+          <a:blip r:embed="rId3">
+            <a:extLst>
+              <a:ext uri="{28A0092B-C50C-407E-A947-70E740481C1C}">
+                <a14:useLocalDpi xmlns:a14="http://schemas.microsoft.com/office/drawing/2010/main" val="0"/>
+              </a:ext>
+            </a:extLst>
+          </a:blip>
+          <a:stretch>
+            <a:fillRect/>
+          </a:stretch>
+        </p:blipFill>
+        <p:spPr>
+          <a:xfrm>
+            <a:off x="3314226" y="2054738"/>
+            <a:ext cx="461666" cy="461666"/>
+          </a:xfrm>
+          <a:prstGeom prst="rect">
+            <a:avLst/>
+          </a:prstGeom>
+        </p:spPr>
+      </p:pic>
+      <p:sp>
+        <p:nvSpPr>
+          <p:cNvPr id="19" name="Shape">
+            <a:extLst>
+              <a:ext uri="{FF2B5EF4-FFF2-40B4-BE49-F238E27FC236}">
+                <a16:creationId xmlns:a16="http://schemas.microsoft.com/office/drawing/2014/main" id="{A8572375-4A63-5A45-AD56-9D64C665CBD1}"/>
+              </a:ext>
+            </a:extLst>
+          </p:cNvPr>
+          <p:cNvSpPr/>
+          <p:nvPr/>
+        </p:nvSpPr>
+        <p:spPr>
+          <a:xfrm>
+            <a:off x="6541344" y="1029556"/>
+            <a:ext cx="1558935" cy="1558935"/>
+          </a:xfrm>
+          <a:custGeom>
+            <a:avLst/>
+            <a:gdLst/>
+            <a:ahLst/>
+            <a:cxnLst>
+              <a:cxn ang="0">
+                <a:pos x="wd2" y="hd2"/>
+              </a:cxn>
+              <a:cxn ang="5400000">
+                <a:pos x="wd2" y="hd2"/>
+              </a:cxn>
+              <a:cxn ang="10800000">
+                <a:pos x="wd2" y="hd2"/>
+              </a:cxn>
+              <a:cxn ang="16200000">
+                <a:pos x="wd2" y="hd2"/>
+              </a:cxn>
+            </a:cxnLst>
+            <a:rect l="0" t="0" r="r" b="b"/>
+            <a:pathLst>
+              <a:path w="21600" h="21600" extrusionOk="0">
+                <a:moveTo>
+                  <a:pt x="2880" y="0"/>
+                </a:moveTo>
+                <a:cubicBezTo>
+                  <a:pt x="1293" y="0"/>
+                  <a:pt x="0" y="1288"/>
+                  <a:pt x="0" y="2880"/>
+                </a:cubicBezTo>
+                <a:lnTo>
+                  <a:pt x="0" y="21600"/>
+                </a:lnTo>
+                <a:lnTo>
+                  <a:pt x="21600" y="21600"/>
+                </a:lnTo>
+                <a:lnTo>
+                  <a:pt x="21600" y="0"/>
+                </a:lnTo>
+                <a:lnTo>
+                  <a:pt x="2880" y="0"/>
+                </a:lnTo>
+                <a:close/>
+              </a:path>
+            </a:pathLst>
+          </a:custGeom>
+          <a:solidFill>
+            <a:srgbClr val="002060"/>
+          </a:solidFill>
+          <a:ln w="12700">
+            <a:miter lim="400000"/>
+          </a:ln>
+        </p:spPr>
+        <p:txBody>
+          <a:bodyPr lIns="38100" tIns="38100" rIns="38100" bIns="38100" anchor="ctr"/>
+          <a:lstStyle/>
+          <a:p>
+            <a:pPr>
+              <a:defRPr sz="3000">
+                <a:solidFill>
+                  <a:srgbClr val="FFFFFF"/>
+                </a:solidFill>
+              </a:defRPr>
+            </a:pPr>
+            <a:endParaRPr/>
+          </a:p>
+        </p:txBody>
+      </p:sp>
+      <p:sp>
+        <p:nvSpPr>
+          <p:cNvPr id="20" name="Shape">
+            <a:extLst>
+              <a:ext uri="{FF2B5EF4-FFF2-40B4-BE49-F238E27FC236}">
+                <a16:creationId xmlns:a16="http://schemas.microsoft.com/office/drawing/2014/main" id="{7BAAE3B9-0077-67C8-67CD-3C9E4CC5A416}"/>
+              </a:ext>
+            </a:extLst>
+          </p:cNvPr>
+          <p:cNvSpPr/>
+          <p:nvPr/>
+        </p:nvSpPr>
+        <p:spPr>
+          <a:xfrm>
+            <a:off x="6698218" y="1186430"/>
+            <a:ext cx="2207610" cy="3355928"/>
+          </a:xfrm>
+          <a:custGeom>
+            <a:avLst/>
+            <a:gdLst/>
+            <a:ahLst/>
+            <a:cxnLst>
+              <a:cxn ang="0">
+                <a:pos x="wd2" y="hd2"/>
+              </a:cxn>
+              <a:cxn ang="5400000">
+                <a:pos x="wd2" y="hd2"/>
+              </a:cxn>
+              <a:cxn ang="10800000">
+                <a:pos x="wd2" y="hd2"/>
+              </a:cxn>
+              <a:cxn ang="16200000">
+                <a:pos x="wd2" y="hd2"/>
+              </a:cxn>
+            </a:cxnLst>
+            <a:rect l="0" t="0" r="r" b="b"/>
+            <a:pathLst>
+              <a:path w="21600" h="21600" extrusionOk="0">
+                <a:moveTo>
+                  <a:pt x="19570" y="0"/>
+                </a:moveTo>
+                <a:lnTo>
+                  <a:pt x="2034" y="0"/>
+                </a:lnTo>
+                <a:cubicBezTo>
+                  <a:pt x="913" y="0"/>
+                  <a:pt x="0" y="598"/>
+                  <a:pt x="0" y="1338"/>
+                </a:cubicBezTo>
+                <a:lnTo>
+                  <a:pt x="0" y="20262"/>
+                </a:lnTo>
+                <a:cubicBezTo>
+                  <a:pt x="0" y="20999"/>
+                  <a:pt x="909" y="21600"/>
+                  <a:pt x="2034" y="21600"/>
+                </a:cubicBezTo>
+                <a:lnTo>
+                  <a:pt x="19566" y="21600"/>
+                </a:lnTo>
+                <a:cubicBezTo>
+                  <a:pt x="20687" y="21600"/>
+                  <a:pt x="21600" y="21002"/>
+                  <a:pt x="21600" y="20262"/>
+                </a:cubicBezTo>
+                <a:lnTo>
+                  <a:pt x="21600" y="1335"/>
+                </a:lnTo>
+                <a:cubicBezTo>
+                  <a:pt x="21600" y="598"/>
+                  <a:pt x="20691" y="0"/>
+                  <a:pt x="19570" y="0"/>
+                </a:cubicBezTo>
+                <a:close/>
+              </a:path>
+            </a:pathLst>
+          </a:custGeom>
+          <a:solidFill>
+            <a:schemeClr val="bg1">
+              <a:lumMod val="95000"/>
+            </a:schemeClr>
+          </a:solidFill>
+          <a:ln w="12700">
+            <a:miter lim="400000"/>
+          </a:ln>
+        </p:spPr>
+        <p:txBody>
+          <a:bodyPr lIns="38100" tIns="38100" rIns="38100" bIns="38100" anchor="ctr"/>
+          <a:lstStyle/>
+          <a:p>
+            <a:pPr>
+              <a:defRPr sz="3000">
+                <a:solidFill>
+                  <a:srgbClr val="FFFFFF"/>
+                </a:solidFill>
+              </a:defRPr>
+            </a:pPr>
+            <a:endParaRPr/>
+          </a:p>
+        </p:txBody>
+      </p:sp>
+      <p:grpSp>
+        <p:nvGrpSpPr>
+          <p:cNvPr id="21" name="Group 21">
+            <a:extLst>
+              <a:ext uri="{FF2B5EF4-FFF2-40B4-BE49-F238E27FC236}">
+                <a16:creationId xmlns:a16="http://schemas.microsoft.com/office/drawing/2014/main" id="{C2CECB41-072E-CBC7-C894-5415D7C65493}"/>
+              </a:ext>
+            </a:extLst>
+          </p:cNvPr>
+          <p:cNvGrpSpPr/>
+          <p:nvPr/>
+        </p:nvGrpSpPr>
+        <p:grpSpPr>
+          <a:xfrm>
+            <a:off x="6891218" y="2078346"/>
+            <a:ext cx="1861657" cy="2292898"/>
+            <a:chOff x="1322173" y="2721389"/>
+            <a:chExt cx="1861657" cy="2292898"/>
+          </a:xfrm>
+        </p:grpSpPr>
+        <p:sp>
+          <p:nvSpPr>
+            <p:cNvPr id="22" name="TextBox 19">
+              <a:extLst>
+                <a:ext uri="{FF2B5EF4-FFF2-40B4-BE49-F238E27FC236}">
+                  <a16:creationId xmlns:a16="http://schemas.microsoft.com/office/drawing/2014/main" id="{5314B8D4-32C8-1626-8CBA-8CF5DFA85390}"/>
+                </a:ext>
+              </a:extLst>
+            </p:cNvPr>
+            <p:cNvSpPr txBox="1"/>
+            <p:nvPr/>
+          </p:nvSpPr>
+          <p:spPr>
+            <a:xfrm>
+              <a:off x="1322173" y="2721389"/>
+              <a:ext cx="1861657" cy="461665"/>
+            </a:xfrm>
+            <a:prstGeom prst="rect">
+              <a:avLst/>
+            </a:prstGeom>
+            <a:noFill/>
+          </p:spPr>
+          <p:txBody>
+            <a:bodyPr wrap="square" lIns="0" rIns="0" rtlCol="0" anchor="b">
+              <a:spAutoFit/>
+            </a:bodyPr>
+            <a:lstStyle/>
+            <a:p>
+              <a:pPr algn="r"/>
+              <a:r>
+                <a:rPr lang="en-US" sz="2400" b="1" noProof="1"/>
+                <a:t>Lorem Ipsum</a:t>
+              </a:r>
+            </a:p>
+          </p:txBody>
+        </p:sp>
+        <p:sp>
+          <p:nvSpPr>
+            <p:cNvPr id="23" name="TextBox 20">
+              <a:extLst>
+                <a:ext uri="{FF2B5EF4-FFF2-40B4-BE49-F238E27FC236}">
+                  <a16:creationId xmlns:a16="http://schemas.microsoft.com/office/drawing/2014/main" id="{CCD0437A-07DE-C2A8-0C56-259FEAF9B72B}"/>
+                </a:ext>
+              </a:extLst>
+            </p:cNvPr>
+            <p:cNvSpPr txBox="1"/>
+            <p:nvPr/>
+          </p:nvSpPr>
+          <p:spPr>
+            <a:xfrm>
+              <a:off x="1322173" y="3321516"/>
+              <a:ext cx="1861657" cy="1692771"/>
+            </a:xfrm>
+            <a:prstGeom prst="rect">
+              <a:avLst/>
+            </a:prstGeom>
+            <a:noFill/>
+          </p:spPr>
+          <p:txBody>
+            <a:bodyPr wrap="square" lIns="0" rIns="0" rtlCol="0" anchor="t">
+              <a:spAutoFit/>
+            </a:bodyPr>
+            <a:lstStyle/>
+            <a:p>
+              <a:r>
+                <a:rPr lang="en-US" sz="1300" noProof="1">
+                  <a:solidFill>
+                    <a:schemeClr val="tx1">
+                      <a:lumMod val="65000"/>
+                      <a:lumOff val="35000"/>
+                    </a:schemeClr>
+                  </a:solidFill>
+                </a:rPr>
+                <a:t>Lorem ipsum dolor sit amet, nibh est. A magna maecenas, quam magna nec quis, lorem nunc. Suspendisse viverra sodales mauris, cras pharetra proin egestas arcu erat dolor, at amet. </a:t>
+              </a:r>
+            </a:p>
+          </p:txBody>
+        </p:sp>
+      </p:grpSp>
+      <p:sp>
+        <p:nvSpPr>
+          <p:cNvPr id="24" name="Freeform: Shape 32">
+            <a:extLst>
+              <a:ext uri="{FF2B5EF4-FFF2-40B4-BE49-F238E27FC236}">
+                <a16:creationId xmlns:a16="http://schemas.microsoft.com/office/drawing/2014/main" id="{7D04F1B0-B082-B4E6-97AA-61CFBCE210D8}"/>
+              </a:ext>
+            </a:extLst>
+          </p:cNvPr>
+          <p:cNvSpPr/>
+          <p:nvPr/>
+        </p:nvSpPr>
+        <p:spPr>
+          <a:xfrm>
+            <a:off x="6698218" y="1186430"/>
+            <a:ext cx="1308687" cy="1308687"/>
+          </a:xfrm>
+          <a:custGeom>
+            <a:avLst/>
+            <a:gdLst>
+              <a:gd name="connsiteX0" fmla="*/ 207883 w 1308687"/>
+              <a:gd name="connsiteY0" fmla="*/ 0 h 1308687"/>
+              <a:gd name="connsiteX1" fmla="*/ 1308687 w 1308687"/>
+              <a:gd name="connsiteY1" fmla="*/ 0 h 1308687"/>
+              <a:gd name="connsiteX2" fmla="*/ 0 w 1308687"/>
+              <a:gd name="connsiteY2" fmla="*/ 1308687 h 1308687"/>
+              <a:gd name="connsiteX3" fmla="*/ 0 w 1308687"/>
+              <a:gd name="connsiteY3" fmla="*/ 207881 h 1308687"/>
+              <a:gd name="connsiteX4" fmla="*/ 207883 w 1308687"/>
+              <a:gd name="connsiteY4" fmla="*/ 0 h 1308687"/>
+            </a:gdLst>
+            <a:ahLst/>
+            <a:cxnLst>
+              <a:cxn ang="0">
+                <a:pos x="connsiteX0" y="connsiteY0"/>
+              </a:cxn>
+              <a:cxn ang="0">
+                <a:pos x="connsiteX1" y="connsiteY1"/>
+              </a:cxn>
+              <a:cxn ang="0">
+                <a:pos x="connsiteX2" y="connsiteY2"/>
+              </a:cxn>
+              <a:cxn ang="0">
+                <a:pos x="connsiteX3" y="connsiteY3"/>
+              </a:cxn>
+              <a:cxn ang="0">
+                <a:pos x="connsiteX4" y="connsiteY4"/>
+              </a:cxn>
+            </a:cxnLst>
+            <a:rect l="l" t="t" r="r" b="b"/>
+            <a:pathLst>
+              <a:path w="1308687" h="1308687">
+                <a:moveTo>
+                  <a:pt x="207883" y="0"/>
+                </a:moveTo>
+                <a:lnTo>
+                  <a:pt x="1308687" y="0"/>
+                </a:lnTo>
+                <a:lnTo>
+                  <a:pt x="0" y="1308687"/>
+                </a:lnTo>
+                <a:lnTo>
+                  <a:pt x="0" y="207881"/>
+                </a:lnTo>
+                <a:cubicBezTo>
+                  <a:pt x="0" y="92910"/>
+                  <a:pt x="93312" y="0"/>
+                  <a:pt x="207883" y="0"/>
+                </a:cubicBezTo>
+                <a:close/>
+              </a:path>
+            </a:pathLst>
+          </a:custGeom>
+          <a:solidFill>
+            <a:schemeClr val="tx1">
+              <a:alpha val="24000"/>
+            </a:schemeClr>
+          </a:solidFill>
+          <a:ln w="12700">
+            <a:miter lim="400000"/>
+          </a:ln>
+        </p:spPr>
+        <p:txBody>
+          <a:bodyPr wrap="square" lIns="38100" tIns="38100" rIns="38100" bIns="38100" anchor="ctr">
+            <a:noAutofit/>
+          </a:bodyPr>
+          <a:lstStyle/>
+          <a:p>
+            <a:pPr>
+              <a:defRPr sz="3000">
+                <a:solidFill>
+                  <a:srgbClr val="FFFFFF"/>
+                </a:solidFill>
+              </a:defRPr>
+            </a:pPr>
+            <a:endParaRPr/>
+          </a:p>
+        </p:txBody>
+      </p:sp>
+      <p:sp>
+        <p:nvSpPr>
+          <p:cNvPr id="25" name="Shape">
+            <a:extLst>
+              <a:ext uri="{FF2B5EF4-FFF2-40B4-BE49-F238E27FC236}">
+                <a16:creationId xmlns:a16="http://schemas.microsoft.com/office/drawing/2014/main" id="{E2F15FF8-B9AD-37DC-AA69-E9F5E155F8FC}"/>
+              </a:ext>
+            </a:extLst>
+          </p:cNvPr>
+          <p:cNvSpPr/>
+          <p:nvPr/>
+        </p:nvSpPr>
+        <p:spPr>
+          <a:xfrm>
+            <a:off x="6541344" y="1029556"/>
+            <a:ext cx="1558935" cy="1558935"/>
+          </a:xfrm>
+          <a:custGeom>
+            <a:avLst/>
+            <a:gdLst/>
+            <a:ahLst/>
+            <a:cxnLst>
+              <a:cxn ang="0">
+                <a:pos x="wd2" y="hd2"/>
+              </a:cxn>
+              <a:cxn ang="5400000">
+                <a:pos x="wd2" y="hd2"/>
+              </a:cxn>
+              <a:cxn ang="10800000">
+                <a:pos x="wd2" y="hd2"/>
+              </a:cxn>
+              <a:cxn ang="16200000">
+                <a:pos x="wd2" y="hd2"/>
+              </a:cxn>
+            </a:cxnLst>
+            <a:rect l="0" t="0" r="r" b="b"/>
+            <a:pathLst>
+              <a:path w="21600" h="21600" extrusionOk="0">
+                <a:moveTo>
+                  <a:pt x="2880" y="0"/>
+                </a:moveTo>
+                <a:cubicBezTo>
+                  <a:pt x="1293" y="0"/>
+                  <a:pt x="0" y="1288"/>
+                  <a:pt x="0" y="2880"/>
+                </a:cubicBezTo>
+                <a:lnTo>
+                  <a:pt x="0" y="21600"/>
+                </a:lnTo>
+                <a:lnTo>
+                  <a:pt x="21600" y="0"/>
+                </a:lnTo>
+                <a:lnTo>
+                  <a:pt x="2880" y="0"/>
+                </a:lnTo>
+                <a:close/>
+              </a:path>
+            </a:pathLst>
+          </a:custGeom>
+          <a:solidFill>
+            <a:srgbClr val="1F4C8F"/>
+          </a:solidFill>
+          <a:ln w="12700">
+            <a:miter lim="400000"/>
+          </a:ln>
+        </p:spPr>
+        <p:txBody>
+          <a:bodyPr lIns="38100" tIns="38100" rIns="38100" bIns="38100" anchor="ctr"/>
+          <a:lstStyle/>
+          <a:p>
+            <a:pPr>
+              <a:defRPr sz="3000">
+                <a:solidFill>
+                  <a:srgbClr val="FFFFFF"/>
+                </a:solidFill>
+              </a:defRPr>
+            </a:pPr>
+            <a:endParaRPr/>
+          </a:p>
+        </p:txBody>
+      </p:sp>
+      <p:pic>
+        <p:nvPicPr>
+          <p:cNvPr id="26" name="Immagine 25" descr="Immagine che contiene cerchio, Elementi grafici, clipart&#10;&#10;Descrizione generata automaticamente">
+            <a:extLst>
+              <a:ext uri="{FF2B5EF4-FFF2-40B4-BE49-F238E27FC236}">
+                <a16:creationId xmlns:a16="http://schemas.microsoft.com/office/drawing/2014/main" id="{DD95CD70-C27A-8FA9-8238-90F6C8B6D2BB}"/>
+              </a:ext>
+            </a:extLst>
+          </p:cNvPr>
+          <p:cNvPicPr>
+            <a:picLocks noChangeAspect="1"/>
+          </p:cNvPicPr>
+          <p:nvPr/>
+        </p:nvPicPr>
+        <p:blipFill>
+          <a:blip r:embed="rId3">
+            <a:extLst>
+              <a:ext uri="{28A0092B-C50C-407E-A947-70E740481C1C}">
+                <a14:useLocalDpi xmlns:a14="http://schemas.microsoft.com/office/drawing/2010/main" val="0"/>
+              </a:ext>
+            </a:extLst>
+          </a:blip>
+          <a:stretch>
+            <a:fillRect/>
+          </a:stretch>
+        </p:blipFill>
+        <p:spPr>
+          <a:xfrm>
+            <a:off x="6541344" y="1029556"/>
+            <a:ext cx="461666" cy="461666"/>
+          </a:xfrm>
+          <a:prstGeom prst="rect">
+            <a:avLst/>
+          </a:prstGeom>
+        </p:spPr>
+      </p:pic>
+      <p:sp>
+        <p:nvSpPr>
+          <p:cNvPr id="27" name="Shape">
+            <a:extLst>
+              <a:ext uri="{FF2B5EF4-FFF2-40B4-BE49-F238E27FC236}">
+                <a16:creationId xmlns:a16="http://schemas.microsoft.com/office/drawing/2014/main" id="{68D1DFC3-D05A-CBC3-CD12-0CC618EC9282}"/>
+              </a:ext>
+            </a:extLst>
+          </p:cNvPr>
+          <p:cNvSpPr/>
+          <p:nvPr/>
+        </p:nvSpPr>
+        <p:spPr>
+          <a:xfrm>
+            <a:off x="9387798" y="100871"/>
+            <a:ext cx="1558935" cy="1558935"/>
+          </a:xfrm>
+          <a:custGeom>
+            <a:avLst/>
+            <a:gdLst/>
+            <a:ahLst/>
+            <a:cxnLst>
+              <a:cxn ang="0">
+                <a:pos x="wd2" y="hd2"/>
+              </a:cxn>
+              <a:cxn ang="5400000">
+                <a:pos x="wd2" y="hd2"/>
+              </a:cxn>
+              <a:cxn ang="10800000">
+                <a:pos x="wd2" y="hd2"/>
+              </a:cxn>
+              <a:cxn ang="16200000">
+                <a:pos x="wd2" y="hd2"/>
+              </a:cxn>
+            </a:cxnLst>
+            <a:rect l="0" t="0" r="r" b="b"/>
+            <a:pathLst>
+              <a:path w="21600" h="21600" extrusionOk="0">
+                <a:moveTo>
+                  <a:pt x="2880" y="0"/>
+                </a:moveTo>
+                <a:cubicBezTo>
+                  <a:pt x="1293" y="0"/>
+                  <a:pt x="0" y="1288"/>
+                  <a:pt x="0" y="2880"/>
+                </a:cubicBezTo>
+                <a:lnTo>
+                  <a:pt x="0" y="21600"/>
+                </a:lnTo>
+                <a:lnTo>
+                  <a:pt x="21600" y="21600"/>
+                </a:lnTo>
+                <a:lnTo>
+                  <a:pt x="21600" y="0"/>
+                </a:lnTo>
+                <a:lnTo>
+                  <a:pt x="2880" y="0"/>
+                </a:lnTo>
+                <a:close/>
+              </a:path>
+            </a:pathLst>
+          </a:custGeom>
+          <a:solidFill>
+            <a:srgbClr val="002060"/>
+          </a:solidFill>
+          <a:ln w="12700">
+            <a:miter lim="400000"/>
+          </a:ln>
+        </p:spPr>
+        <p:txBody>
+          <a:bodyPr lIns="38100" tIns="38100" rIns="38100" bIns="38100" anchor="ctr"/>
+          <a:lstStyle/>
+          <a:p>
+            <a:pPr>
+              <a:defRPr sz="3000">
+                <a:solidFill>
+                  <a:srgbClr val="FFFFFF"/>
+                </a:solidFill>
+              </a:defRPr>
+            </a:pPr>
+            <a:endParaRPr/>
+          </a:p>
+        </p:txBody>
+      </p:sp>
+      <p:sp>
+        <p:nvSpPr>
+          <p:cNvPr id="28" name="Shape">
+            <a:extLst>
+              <a:ext uri="{FF2B5EF4-FFF2-40B4-BE49-F238E27FC236}">
+                <a16:creationId xmlns:a16="http://schemas.microsoft.com/office/drawing/2014/main" id="{E7ABB979-67DC-5918-A4B6-5A94C530CB46}"/>
+              </a:ext>
+            </a:extLst>
+          </p:cNvPr>
+          <p:cNvSpPr/>
+          <p:nvPr/>
+        </p:nvSpPr>
+        <p:spPr>
+          <a:xfrm>
+            <a:off x="9544672" y="257745"/>
+            <a:ext cx="2207610" cy="3355928"/>
+          </a:xfrm>
+          <a:custGeom>
+            <a:avLst/>
+            <a:gdLst/>
+            <a:ahLst/>
+            <a:cxnLst>
+              <a:cxn ang="0">
+                <a:pos x="wd2" y="hd2"/>
+              </a:cxn>
+              <a:cxn ang="5400000">
+                <a:pos x="wd2" y="hd2"/>
+              </a:cxn>
+              <a:cxn ang="10800000">
+                <a:pos x="wd2" y="hd2"/>
+              </a:cxn>
+              <a:cxn ang="16200000">
+                <a:pos x="wd2" y="hd2"/>
+              </a:cxn>
+            </a:cxnLst>
+            <a:rect l="0" t="0" r="r" b="b"/>
+            <a:pathLst>
+              <a:path w="21600" h="21600" extrusionOk="0">
+                <a:moveTo>
+                  <a:pt x="19570" y="0"/>
+                </a:moveTo>
+                <a:lnTo>
+                  <a:pt x="2034" y="0"/>
+                </a:lnTo>
+                <a:cubicBezTo>
+                  <a:pt x="913" y="0"/>
+                  <a:pt x="0" y="598"/>
+                  <a:pt x="0" y="1338"/>
+                </a:cubicBezTo>
+                <a:lnTo>
+                  <a:pt x="0" y="20262"/>
+                </a:lnTo>
+                <a:cubicBezTo>
+                  <a:pt x="0" y="20999"/>
+                  <a:pt x="909" y="21600"/>
+                  <a:pt x="2034" y="21600"/>
+                </a:cubicBezTo>
+                <a:lnTo>
+                  <a:pt x="19566" y="21600"/>
+                </a:lnTo>
+                <a:cubicBezTo>
+                  <a:pt x="20687" y="21600"/>
+                  <a:pt x="21600" y="21002"/>
+                  <a:pt x="21600" y="20262"/>
+                </a:cubicBezTo>
+                <a:lnTo>
+                  <a:pt x="21600" y="1335"/>
+                </a:lnTo>
+                <a:cubicBezTo>
+                  <a:pt x="21600" y="598"/>
+                  <a:pt x="20691" y="0"/>
+                  <a:pt x="19570" y="0"/>
+                </a:cubicBezTo>
+                <a:close/>
+              </a:path>
+            </a:pathLst>
+          </a:custGeom>
+          <a:solidFill>
+            <a:schemeClr val="bg1">
+              <a:lumMod val="95000"/>
+            </a:schemeClr>
+          </a:solidFill>
+          <a:ln w="12700">
+            <a:miter lim="400000"/>
+          </a:ln>
+        </p:spPr>
+        <p:txBody>
+          <a:bodyPr lIns="38100" tIns="38100" rIns="38100" bIns="38100" anchor="ctr"/>
+          <a:lstStyle/>
+          <a:p>
+            <a:pPr>
+              <a:defRPr sz="3000">
+                <a:solidFill>
+                  <a:srgbClr val="FFFFFF"/>
+                </a:solidFill>
+              </a:defRPr>
+            </a:pPr>
+            <a:endParaRPr/>
+          </a:p>
+        </p:txBody>
+      </p:sp>
+      <p:grpSp>
+        <p:nvGrpSpPr>
+          <p:cNvPr id="29" name="Group 21">
+            <a:extLst>
+              <a:ext uri="{FF2B5EF4-FFF2-40B4-BE49-F238E27FC236}">
+                <a16:creationId xmlns:a16="http://schemas.microsoft.com/office/drawing/2014/main" id="{2F10D1B9-F72F-BFE2-E8DE-10A405BA194E}"/>
+              </a:ext>
+            </a:extLst>
+          </p:cNvPr>
+          <p:cNvGrpSpPr/>
+          <p:nvPr/>
+        </p:nvGrpSpPr>
+        <p:grpSpPr>
+          <a:xfrm>
+            <a:off x="9737672" y="1149661"/>
+            <a:ext cx="1861657" cy="2292898"/>
+            <a:chOff x="1322173" y="2721389"/>
+            <a:chExt cx="1861657" cy="2292898"/>
+          </a:xfrm>
+        </p:grpSpPr>
+        <p:sp>
+          <p:nvSpPr>
+            <p:cNvPr id="30" name="TextBox 19">
+              <a:extLst>
+                <a:ext uri="{FF2B5EF4-FFF2-40B4-BE49-F238E27FC236}">
+                  <a16:creationId xmlns:a16="http://schemas.microsoft.com/office/drawing/2014/main" id="{2E92FA57-F2E3-23C2-FAFF-35E2A5A6D4E7}"/>
+                </a:ext>
+              </a:extLst>
+            </p:cNvPr>
+            <p:cNvSpPr txBox="1"/>
+            <p:nvPr/>
+          </p:nvSpPr>
+          <p:spPr>
+            <a:xfrm>
+              <a:off x="1322173" y="2721389"/>
+              <a:ext cx="1861657" cy="461665"/>
+            </a:xfrm>
+            <a:prstGeom prst="rect">
+              <a:avLst/>
+            </a:prstGeom>
+            <a:noFill/>
+          </p:spPr>
+          <p:txBody>
+            <a:bodyPr wrap="square" lIns="0" rIns="0" rtlCol="0" anchor="b">
+              <a:spAutoFit/>
+            </a:bodyPr>
+            <a:lstStyle/>
+            <a:p>
+              <a:pPr algn="r"/>
+              <a:r>
+                <a:rPr lang="en-US" sz="2400" b="1" noProof="1"/>
+                <a:t>Lorem Ipsum</a:t>
+              </a:r>
+            </a:p>
+          </p:txBody>
+        </p:sp>
+        <p:sp>
+          <p:nvSpPr>
+            <p:cNvPr id="31" name="TextBox 20">
+              <a:extLst>
+                <a:ext uri="{FF2B5EF4-FFF2-40B4-BE49-F238E27FC236}">
+                  <a16:creationId xmlns:a16="http://schemas.microsoft.com/office/drawing/2014/main" id="{4FA2CBE5-FCE9-EDAB-C3DA-A0342304F2C0}"/>
+                </a:ext>
+              </a:extLst>
+            </p:cNvPr>
+            <p:cNvSpPr txBox="1"/>
+            <p:nvPr/>
+          </p:nvSpPr>
+          <p:spPr>
+            <a:xfrm>
+              <a:off x="1322173" y="3321516"/>
+              <a:ext cx="1861657" cy="1692771"/>
+            </a:xfrm>
+            <a:prstGeom prst="rect">
+              <a:avLst/>
+            </a:prstGeom>
+            <a:noFill/>
+          </p:spPr>
+          <p:txBody>
+            <a:bodyPr wrap="square" lIns="0" rIns="0" rtlCol="0" anchor="t">
+              <a:spAutoFit/>
+            </a:bodyPr>
+            <a:lstStyle/>
+            <a:p>
+              <a:r>
+                <a:rPr lang="en-US" sz="1300" noProof="1">
+                  <a:solidFill>
+                    <a:schemeClr val="tx1">
+                      <a:lumMod val="65000"/>
+                      <a:lumOff val="35000"/>
+                    </a:schemeClr>
+                  </a:solidFill>
+                </a:rPr>
+                <a:t>Lorem ipsum dolor sit amet, nibh est. A magna maecenas, quam magna nec quis, lorem nunc. Suspendisse viverra sodales mauris, cras pharetra proin egestas arcu erat dolor, at amet. </a:t>
+              </a:r>
+            </a:p>
+          </p:txBody>
+        </p:sp>
+      </p:grpSp>
+      <p:sp>
+        <p:nvSpPr>
+          <p:cNvPr id="32" name="Freeform: Shape 32">
+            <a:extLst>
+              <a:ext uri="{FF2B5EF4-FFF2-40B4-BE49-F238E27FC236}">
+                <a16:creationId xmlns:a16="http://schemas.microsoft.com/office/drawing/2014/main" id="{67A63052-6AD4-5624-47E7-E54668239C90}"/>
+              </a:ext>
+            </a:extLst>
+          </p:cNvPr>
+          <p:cNvSpPr/>
+          <p:nvPr/>
+        </p:nvSpPr>
+        <p:spPr>
+          <a:xfrm>
+            <a:off x="9544672" y="257745"/>
+            <a:ext cx="1308687" cy="1308687"/>
+          </a:xfrm>
+          <a:custGeom>
+            <a:avLst/>
+            <a:gdLst>
+              <a:gd name="connsiteX0" fmla="*/ 207883 w 1308687"/>
+              <a:gd name="connsiteY0" fmla="*/ 0 h 1308687"/>
+              <a:gd name="connsiteX1" fmla="*/ 1308687 w 1308687"/>
+              <a:gd name="connsiteY1" fmla="*/ 0 h 1308687"/>
+              <a:gd name="connsiteX2" fmla="*/ 0 w 1308687"/>
+              <a:gd name="connsiteY2" fmla="*/ 1308687 h 1308687"/>
+              <a:gd name="connsiteX3" fmla="*/ 0 w 1308687"/>
+              <a:gd name="connsiteY3" fmla="*/ 207881 h 1308687"/>
+              <a:gd name="connsiteX4" fmla="*/ 207883 w 1308687"/>
+              <a:gd name="connsiteY4" fmla="*/ 0 h 1308687"/>
+            </a:gdLst>
+            <a:ahLst/>
+            <a:cxnLst>
+              <a:cxn ang="0">
+                <a:pos x="connsiteX0" y="connsiteY0"/>
+              </a:cxn>
+              <a:cxn ang="0">
+                <a:pos x="connsiteX1" y="connsiteY1"/>
+              </a:cxn>
+              <a:cxn ang="0">
+                <a:pos x="connsiteX2" y="connsiteY2"/>
+              </a:cxn>
+              <a:cxn ang="0">
+                <a:pos x="connsiteX3" y="connsiteY3"/>
+              </a:cxn>
+              <a:cxn ang="0">
+                <a:pos x="connsiteX4" y="connsiteY4"/>
+              </a:cxn>
+            </a:cxnLst>
+            <a:rect l="l" t="t" r="r" b="b"/>
+            <a:pathLst>
+              <a:path w="1308687" h="1308687">
+                <a:moveTo>
+                  <a:pt x="207883" y="0"/>
+                </a:moveTo>
+                <a:lnTo>
+                  <a:pt x="1308687" y="0"/>
+                </a:lnTo>
+                <a:lnTo>
+                  <a:pt x="0" y="1308687"/>
+                </a:lnTo>
+                <a:lnTo>
+                  <a:pt x="0" y="207881"/>
+                </a:lnTo>
+                <a:cubicBezTo>
+                  <a:pt x="0" y="92910"/>
+                  <a:pt x="93312" y="0"/>
+                  <a:pt x="207883" y="0"/>
+                </a:cubicBezTo>
+                <a:close/>
+              </a:path>
+            </a:pathLst>
+          </a:custGeom>
+          <a:solidFill>
+            <a:schemeClr val="tx1">
+              <a:alpha val="24000"/>
+            </a:schemeClr>
+          </a:solidFill>
+          <a:ln w="12700">
+            <a:miter lim="400000"/>
+          </a:ln>
+        </p:spPr>
+        <p:txBody>
+          <a:bodyPr wrap="square" lIns="38100" tIns="38100" rIns="38100" bIns="38100" anchor="ctr">
+            <a:noAutofit/>
+          </a:bodyPr>
+          <a:lstStyle/>
+          <a:p>
+            <a:pPr>
+              <a:defRPr sz="3000">
+                <a:solidFill>
+                  <a:srgbClr val="FFFFFF"/>
+                </a:solidFill>
+              </a:defRPr>
+            </a:pPr>
+            <a:endParaRPr/>
+          </a:p>
+        </p:txBody>
+      </p:sp>
+      <p:sp>
+        <p:nvSpPr>
+          <p:cNvPr id="33" name="Shape">
+            <a:extLst>
+              <a:ext uri="{FF2B5EF4-FFF2-40B4-BE49-F238E27FC236}">
+                <a16:creationId xmlns:a16="http://schemas.microsoft.com/office/drawing/2014/main" id="{48FEF235-B275-042F-F024-D3ED519BE540}"/>
+              </a:ext>
+            </a:extLst>
+          </p:cNvPr>
+          <p:cNvSpPr/>
+          <p:nvPr/>
+        </p:nvSpPr>
+        <p:spPr>
+          <a:xfrm>
+            <a:off x="9387798" y="100871"/>
+            <a:ext cx="1558935" cy="1558935"/>
+          </a:xfrm>
+          <a:custGeom>
+            <a:avLst/>
+            <a:gdLst/>
+            <a:ahLst/>
+            <a:cxnLst>
+              <a:cxn ang="0">
+                <a:pos x="wd2" y="hd2"/>
+              </a:cxn>
+              <a:cxn ang="5400000">
+                <a:pos x="wd2" y="hd2"/>
+              </a:cxn>
+              <a:cxn ang="10800000">
+                <a:pos x="wd2" y="hd2"/>
+              </a:cxn>
+              <a:cxn ang="16200000">
+                <a:pos x="wd2" y="hd2"/>
+              </a:cxn>
+            </a:cxnLst>
+            <a:rect l="0" t="0" r="r" b="b"/>
+            <a:pathLst>
+              <a:path w="21600" h="21600" extrusionOk="0">
+                <a:moveTo>
+                  <a:pt x="2880" y="0"/>
+                </a:moveTo>
+                <a:cubicBezTo>
+                  <a:pt x="1293" y="0"/>
+                  <a:pt x="0" y="1288"/>
+                  <a:pt x="0" y="2880"/>
+                </a:cubicBezTo>
+                <a:lnTo>
+                  <a:pt x="0" y="21600"/>
+                </a:lnTo>
+                <a:lnTo>
+                  <a:pt x="21600" y="0"/>
+                </a:lnTo>
+                <a:lnTo>
+                  <a:pt x="2880" y="0"/>
+                </a:lnTo>
+                <a:close/>
+              </a:path>
+            </a:pathLst>
+          </a:custGeom>
+          <a:solidFill>
+            <a:srgbClr val="1F4C8F"/>
+          </a:solidFill>
+          <a:ln w="12700">
+            <a:miter lim="400000"/>
+          </a:ln>
+        </p:spPr>
+        <p:txBody>
+          <a:bodyPr lIns="38100" tIns="38100" rIns="38100" bIns="38100" anchor="ctr"/>
+          <a:lstStyle/>
+          <a:p>
+            <a:pPr>
+              <a:defRPr sz="3000">
+                <a:solidFill>
+                  <a:srgbClr val="FFFFFF"/>
+                </a:solidFill>
+              </a:defRPr>
+            </a:pPr>
+            <a:endParaRPr/>
+          </a:p>
+        </p:txBody>
+      </p:sp>
+      <p:pic>
+        <p:nvPicPr>
+          <p:cNvPr id="34" name="Immagine 33" descr="Immagine che contiene cerchio, Elementi grafici, clipart&#10;&#10;Descrizione generata automaticamente">
+            <a:extLst>
+              <a:ext uri="{FF2B5EF4-FFF2-40B4-BE49-F238E27FC236}">
+                <a16:creationId xmlns:a16="http://schemas.microsoft.com/office/drawing/2014/main" id="{FD5F8614-3995-8368-4080-2BA6C5EA1B78}"/>
+              </a:ext>
+            </a:extLst>
+          </p:cNvPr>
+          <p:cNvPicPr>
+            <a:picLocks noChangeAspect="1"/>
+          </p:cNvPicPr>
+          <p:nvPr/>
+        </p:nvPicPr>
+        <p:blipFill>
+          <a:blip r:embed="rId3">
+            <a:extLst>
+              <a:ext uri="{28A0092B-C50C-407E-A947-70E740481C1C}">
+                <a14:useLocalDpi xmlns:a14="http://schemas.microsoft.com/office/drawing/2010/main" val="0"/>
+              </a:ext>
+            </a:extLst>
+          </a:blip>
+          <a:stretch>
+            <a:fillRect/>
+          </a:stretch>
+        </p:blipFill>
+        <p:spPr>
+          <a:xfrm>
+            <a:off x="9387798" y="100871"/>
+            <a:ext cx="461666" cy="461666"/>
+          </a:xfrm>
+          <a:prstGeom prst="rect">
+            <a:avLst/>
+          </a:prstGeom>
+        </p:spPr>
+      </p:pic>
     </p:spTree>
     <p:extLst>
       <p:ext uri="{BB962C8B-B14F-4D97-AF65-F5344CB8AC3E}">
